--- a/pact.pptx
+++ b/pact.pptx
@@ -3099,14 +3099,56 @@
       </p:grpSpPr>
       <p:sp>
         <p:nvSpPr>
+          <p:cNvPr id="51" name="Can 50"/>
+          <p:cNvSpPr/>
+          <p:nvPr/>
+        </p:nvSpPr>
+        <p:spPr>
+          <a:xfrm>
+            <a:off x="3973483" y="1070630"/>
+            <a:ext cx="1066081" cy="1944308"/>
+          </a:xfrm>
+          <a:prstGeom prst="can">
+            <a:avLst/>
+          </a:prstGeom>
+        </p:spPr>
+        <p:style>
+          <a:lnRef idx="1">
+            <a:schemeClr val="accent5"/>
+          </a:lnRef>
+          <a:fillRef idx="2">
+            <a:schemeClr val="accent5"/>
+          </a:fillRef>
+          <a:effectRef idx="1">
+            <a:schemeClr val="accent5"/>
+          </a:effectRef>
+          <a:fontRef idx="minor">
+            <a:schemeClr val="dk1"/>
+          </a:fontRef>
+        </p:style>
+        <p:txBody>
+          <a:bodyPr rtlCol="0" anchor="t"/>
+          <a:lstStyle/>
+          <a:p>
+            <a:pPr algn="ctr"/>
+            <a:r>
+              <a:rPr lang="en-US" sz="1600" dirty="0" smtClean="0"/>
+              <a:t>Pact repository</a:t>
+            </a:r>
+            <a:endParaRPr lang="en-US" sz="1600" dirty="0"/>
+          </a:p>
+        </p:txBody>
+      </p:sp>
+      <p:sp>
+        <p:nvSpPr>
           <p:cNvPr id="38" name="Rectangle 37"/>
           <p:cNvSpPr/>
           <p:nvPr/>
         </p:nvSpPr>
         <p:spPr>
           <a:xfrm>
-            <a:off x="1270666" y="172479"/>
-            <a:ext cx="3675069" cy="2952220"/>
+            <a:off x="1270666" y="987833"/>
+            <a:ext cx="2350875" cy="2027105"/>
           </a:xfrm>
           <a:prstGeom prst="rect">
             <a:avLst/>
@@ -3157,10 +3199,9 @@
           <a:bodyPr rtlCol="0" anchor="t"/>
           <a:lstStyle/>
           <a:p>
-            <a:pPr algn="r"/>
             <a:r>
               <a:rPr lang="en-US" dirty="0" smtClean="0"/>
-              <a:t>Run on producer build</a:t>
+              <a:t>Run on producer build (in CI)</a:t>
             </a:r>
             <a:endParaRPr lang="en-US" dirty="0"/>
           </a:p>
@@ -3174,8 +3215,8 @@
         </p:nvSpPr>
         <p:spPr>
           <a:xfrm>
-            <a:off x="1270666" y="3205585"/>
-            <a:ext cx="7085531" cy="3124699"/>
+            <a:off x="1270666" y="3205586"/>
+            <a:ext cx="7085531" cy="3118518"/>
           </a:xfrm>
           <a:prstGeom prst="rect">
             <a:avLst/>
@@ -3229,7 +3270,7 @@
             <a:pPr algn="r"/>
             <a:r>
               <a:rPr lang="en-US" dirty="0" smtClean="0"/>
-              <a:t>Run on consumer build</a:t>
+              <a:t>Run on consumer build (in CI)</a:t>
             </a:r>
             <a:endParaRPr lang="en-US" dirty="0"/>
           </a:p>
@@ -3243,7 +3284,7 @@
         </p:nvSpPr>
         <p:spPr>
           <a:xfrm>
-            <a:off x="5142275" y="846717"/>
+            <a:off x="5360404" y="1070630"/>
             <a:ext cx="2964979" cy="1944308"/>
           </a:xfrm>
           <a:prstGeom prst="rect">
@@ -3298,7 +3339,7 @@
             <a:pPr algn="r"/>
             <a:r>
               <a:rPr lang="en-US" dirty="0" smtClean="0"/>
-              <a:t>Run hourly</a:t>
+              <a:t>Run hourly/ daily, … (in production)</a:t>
             </a:r>
             <a:endParaRPr lang="en-US" dirty="0"/>
           </a:p>
@@ -3396,7 +3437,7 @@
         </p:nvSpPr>
         <p:spPr>
           <a:xfrm>
-            <a:off x="7009996" y="1527920"/>
+            <a:off x="7009996" y="1829134"/>
             <a:ext cx="952579" cy="952579"/>
           </a:xfrm>
           <a:prstGeom prst="rect">
@@ -3474,7 +3515,7 @@
         </p:nvSpPr>
         <p:spPr>
           <a:xfrm>
-            <a:off x="2842616" y="4553178"/>
+            <a:off x="3098800" y="4723665"/>
             <a:ext cx="1797974" cy="1600438"/>
           </a:xfrm>
           <a:prstGeom prst="rect">
@@ -3548,7 +3589,14 @@
             <a:pPr algn="ctr"/>
             <a:r>
               <a:rPr lang="en-US" sz="1100" dirty="0" smtClean="0"/>
-              <a:t>TC</a:t>
+              <a:t>Test</a:t>
+            </a:r>
+          </a:p>
+          <a:p>
+            <a:pPr algn="ctr"/>
+            <a:r>
+              <a:rPr lang="en-US" sz="1100" dirty="0" smtClean="0"/>
+              <a:t>Case (TC)</a:t>
             </a:r>
             <a:endParaRPr lang="en-US" sz="1100" dirty="0"/>
           </a:p>
@@ -3598,7 +3646,7 @@
         </p:nvSpPr>
         <p:spPr>
           <a:xfrm>
-            <a:off x="5360404" y="1670020"/>
+            <a:off x="4148833" y="2183244"/>
             <a:ext cx="726551" cy="668380"/>
           </a:xfrm>
           <a:prstGeom prst="rect">
@@ -3626,16 +3674,8 @@
             <a:pPr algn="ctr"/>
             <a:r>
               <a:rPr lang="en-US" sz="1100" dirty="0" smtClean="0"/>
-              <a:t>PACT</a:t>
-            </a:r>
-          </a:p>
-          <a:p>
-            <a:pPr algn="ctr"/>
-            <a:r>
-              <a:rPr lang="en-US" sz="1100" dirty="0" smtClean="0"/>
-              <a:t>TC</a:t>
-            </a:r>
-            <a:endParaRPr lang="en-US" sz="1100" dirty="0"/>
+              <a:t>PACT from TC</a:t>
+            </a:r>
           </a:p>
         </p:txBody>
       </p:sp>
@@ -3650,8 +3690,8 @@
         </p:nvCxnSpPr>
         <p:spPr>
           <a:xfrm flipH="1">
-            <a:off x="3825351" y="2338400"/>
-            <a:ext cx="1898329" cy="1751657"/>
+            <a:off x="3825351" y="2851624"/>
+            <a:ext cx="686758" cy="1238433"/>
           </a:xfrm>
           <a:prstGeom prst="line">
             <a:avLst/>
@@ -3685,9 +3725,9 @@
           <p:nvPr/>
         </p:nvCxnSpPr>
         <p:spPr>
-          <a:xfrm>
-            <a:off x="6086955" y="2004210"/>
-            <a:ext cx="923041" cy="0"/>
+          <a:xfrm flipV="1">
+            <a:off x="4875384" y="2305424"/>
+            <a:ext cx="2134612" cy="212010"/>
           </a:xfrm>
           <a:prstGeom prst="straightConnector1">
             <a:avLst/>
@@ -3719,7 +3759,7 @@
         </p:nvSpPr>
         <p:spPr>
           <a:xfrm>
-            <a:off x="5180666" y="768317"/>
+            <a:off x="5380020" y="1449005"/>
             <a:ext cx="1797974" cy="954107"/>
           </a:xfrm>
           <a:prstGeom prst="rect">
@@ -3749,7 +3789,7 @@
         </p:nvSpPr>
         <p:spPr>
           <a:xfrm>
-            <a:off x="4118853" y="3478577"/>
+            <a:off x="3114020" y="3150904"/>
             <a:ext cx="1359703" cy="523220"/>
           </a:xfrm>
           <a:prstGeom prst="rect">
@@ -3779,7 +3819,7 @@
         </p:nvSpPr>
         <p:spPr>
           <a:xfrm>
-            <a:off x="2622510" y="1533503"/>
+            <a:off x="1669931" y="1829134"/>
             <a:ext cx="952579" cy="952579"/>
           </a:xfrm>
           <a:prstGeom prst="rect">
@@ -3803,13 +3843,6 @@
         <p:txBody>
           <a:bodyPr rtlCol="0" anchor="ctr"/>
           <a:lstStyle/>
-          <a:p>
-            <a:pPr algn="ctr"/>
-            <a:r>
-              <a:rPr lang="en-US" sz="1100" dirty="0" smtClean="0"/>
-              <a:t>Local </a:t>
-            </a:r>
-          </a:p>
           <a:p>
             <a:pPr algn="ctr"/>
             <a:r>
@@ -3830,15 +3863,91 @@
           <p:nvPr/>
         </p:nvCxnSpPr>
         <p:spPr>
-          <a:xfrm flipH="1">
-            <a:off x="3575089" y="2004210"/>
-            <a:ext cx="1785315" cy="5583"/>
+          <a:xfrm flipH="1" flipV="1">
+            <a:off x="2622510" y="2305424"/>
+            <a:ext cx="1526323" cy="212010"/>
           </a:xfrm>
           <a:prstGeom prst="straightConnector1">
             <a:avLst/>
           </a:prstGeom>
           <a:ln>
             <a:tailEnd type="arrow"/>
+          </a:ln>
+        </p:spPr>
+        <p:style>
+          <a:lnRef idx="2">
+            <a:schemeClr val="accent1"/>
+          </a:lnRef>
+          <a:fillRef idx="0">
+            <a:schemeClr val="accent1"/>
+          </a:fillRef>
+          <a:effectRef idx="1">
+            <a:schemeClr val="accent1"/>
+          </a:effectRef>
+          <a:fontRef idx="minor">
+            <a:schemeClr val="tx1"/>
+          </a:fontRef>
+        </p:style>
+      </p:cxnSp>
+      <p:cxnSp>
+        <p:nvCxnSpPr>
+          <p:cNvPr id="63" name="Straight Connector 62"/>
+          <p:cNvCxnSpPr>
+            <a:stCxn id="29" idx="1"/>
+          </p:cNvCxnSpPr>
+          <p:nvPr/>
+        </p:nvCxnSpPr>
+        <p:spPr>
+          <a:xfrm flipH="1">
+            <a:off x="4906740" y="1926059"/>
+            <a:ext cx="473280" cy="417593"/>
+          </a:xfrm>
+          <a:prstGeom prst="line">
+            <a:avLst/>
+          </a:prstGeom>
+          <a:ln w="3175" cmpd="sng">
+            <a:solidFill>
+              <a:schemeClr val="tx1"/>
+            </a:solidFill>
+            <a:prstDash val="dash"/>
+          </a:ln>
+        </p:spPr>
+        <p:style>
+          <a:lnRef idx="2">
+            <a:schemeClr val="accent1"/>
+          </a:lnRef>
+          <a:fillRef idx="0">
+            <a:schemeClr val="accent1"/>
+          </a:fillRef>
+          <a:effectRef idx="1">
+            <a:schemeClr val="accent1"/>
+          </a:effectRef>
+          <a:fontRef idx="minor">
+            <a:schemeClr val="tx1"/>
+          </a:fontRef>
+        </p:style>
+      </p:cxnSp>
+      <p:cxnSp>
+        <p:nvCxnSpPr>
+          <p:cNvPr id="64" name="Straight Connector 63"/>
+          <p:cNvCxnSpPr>
+            <a:endCxn id="14" idx="2"/>
+          </p:cNvCxnSpPr>
+          <p:nvPr/>
+        </p:nvCxnSpPr>
+        <p:spPr>
+          <a:xfrm flipH="1" flipV="1">
+            <a:off x="3462076" y="4424247"/>
+            <a:ext cx="159465" cy="299418"/>
+          </a:xfrm>
+          <a:prstGeom prst="line">
+            <a:avLst/>
+          </a:prstGeom>
+          <a:ln w="3175" cmpd="sng">
+            <a:solidFill>
+              <a:schemeClr val="tx1"/>
+            </a:solidFill>
+            <a:prstDash val="dash"/>
           </a:ln>
         </p:spPr>
         <p:style>
